--- a/lectures/nonparametric-models.pptx
+++ b/lectures/nonparametric-models.pptx
@@ -226,7 +226,7 @@
           <a:p>
             <a:fld id="{8A1B613A-EFF1-404F-BEE8-EFAE84A4E5E2}" type="datetimeFigureOut">
               <a:rPr lang="en-US" smtClean="0"/>
-              <a:t>2/10/21</a:t>
+              <a:t>9/18/21</a:t>
             </a:fld>
             <a:endParaRPr lang="en-US"/>
           </a:p>
@@ -391,7 +391,7 @@
           <a:p>
             <a:fld id="{690847EA-AC25-3D4E-89E1-FD3F6A9702B6}" type="datetimeFigureOut">
               <a:rPr lang="en-US" smtClean="0"/>
-              <a:t>2/10/21</a:t>
+              <a:t>9/18/21</a:t>
             </a:fld>
             <a:endParaRPr lang="en-US"/>
           </a:p>
@@ -805,7 +805,7 @@
           <a:p>
             <a:fld id="{BE5295ED-3BAF-1140-8495-3D368771D6B1}" type="datetimeFigureOut">
               <a:rPr lang="en-US" smtClean="0"/>
-              <a:t>2/10/21</a:t>
+              <a:t>9/18/21</a:t>
             </a:fld>
             <a:endParaRPr lang="en-US"/>
           </a:p>
@@ -1003,7 +1003,7 @@
           <a:p>
             <a:fld id="{BE5295ED-3BAF-1140-8495-3D368771D6B1}" type="datetimeFigureOut">
               <a:rPr lang="en-US" smtClean="0"/>
-              <a:t>2/10/21</a:t>
+              <a:t>9/18/21</a:t>
             </a:fld>
             <a:endParaRPr lang="en-US"/>
           </a:p>
@@ -1211,7 +1211,7 @@
           <a:p>
             <a:fld id="{BE5295ED-3BAF-1140-8495-3D368771D6B1}" type="datetimeFigureOut">
               <a:rPr lang="en-US" smtClean="0"/>
-              <a:t>2/10/21</a:t>
+              <a:t>9/18/21</a:t>
             </a:fld>
             <a:endParaRPr lang="en-US"/>
           </a:p>
@@ -1409,7 +1409,7 @@
           <a:p>
             <a:fld id="{BE5295ED-3BAF-1140-8495-3D368771D6B1}" type="datetimeFigureOut">
               <a:rPr lang="en-US" smtClean="0"/>
-              <a:t>2/10/21</a:t>
+              <a:t>9/18/21</a:t>
             </a:fld>
             <a:endParaRPr lang="en-US"/>
           </a:p>
@@ -1684,7 +1684,7 @@
           <a:p>
             <a:fld id="{BE5295ED-3BAF-1140-8495-3D368771D6B1}" type="datetimeFigureOut">
               <a:rPr lang="en-US" smtClean="0"/>
-              <a:t>2/10/21</a:t>
+              <a:t>9/18/21</a:t>
             </a:fld>
             <a:endParaRPr lang="en-US"/>
           </a:p>
@@ -1949,7 +1949,7 @@
           <a:p>
             <a:fld id="{BE5295ED-3BAF-1140-8495-3D368771D6B1}" type="datetimeFigureOut">
               <a:rPr lang="en-US" smtClean="0"/>
-              <a:t>2/10/21</a:t>
+              <a:t>9/18/21</a:t>
             </a:fld>
             <a:endParaRPr lang="en-US"/>
           </a:p>
@@ -2361,7 +2361,7 @@
           <a:p>
             <a:fld id="{BE5295ED-3BAF-1140-8495-3D368771D6B1}" type="datetimeFigureOut">
               <a:rPr lang="en-US" smtClean="0"/>
-              <a:t>2/10/21</a:t>
+              <a:t>9/18/21</a:t>
             </a:fld>
             <a:endParaRPr lang="en-US"/>
           </a:p>
@@ -2502,7 +2502,7 @@
           <a:p>
             <a:fld id="{BE5295ED-3BAF-1140-8495-3D368771D6B1}" type="datetimeFigureOut">
               <a:rPr lang="en-US" smtClean="0"/>
-              <a:t>2/10/21</a:t>
+              <a:t>9/18/21</a:t>
             </a:fld>
             <a:endParaRPr lang="en-US"/>
           </a:p>
@@ -2615,7 +2615,7 @@
           <a:p>
             <a:fld id="{BE5295ED-3BAF-1140-8495-3D368771D6B1}" type="datetimeFigureOut">
               <a:rPr lang="en-US" smtClean="0"/>
-              <a:t>2/10/21</a:t>
+              <a:t>9/18/21</a:t>
             </a:fld>
             <a:endParaRPr lang="en-US"/>
           </a:p>
@@ -2926,7 +2926,7 @@
           <a:p>
             <a:fld id="{BE5295ED-3BAF-1140-8495-3D368771D6B1}" type="datetimeFigureOut">
               <a:rPr lang="en-US" smtClean="0"/>
-              <a:t>2/10/21</a:t>
+              <a:t>9/18/21</a:t>
             </a:fld>
             <a:endParaRPr lang="en-US"/>
           </a:p>
@@ -3217,7 +3217,7 @@
           <a:p>
             <a:fld id="{BE5295ED-3BAF-1140-8495-3D368771D6B1}" type="datetimeFigureOut">
               <a:rPr lang="en-US" smtClean="0"/>
-              <a:t>2/10/21</a:t>
+              <a:t>9/18/21</a:t>
             </a:fld>
             <a:endParaRPr lang="en-US"/>
           </a:p>
@@ -3458,7 +3458,7 @@
           <a:p>
             <a:fld id="{BE5295ED-3BAF-1140-8495-3D368771D6B1}" type="datetimeFigureOut">
               <a:rPr lang="en-US" smtClean="0"/>
-              <a:t>2/10/21</a:t>
+              <a:t>9/18/21</a:t>
             </a:fld>
             <a:endParaRPr lang="en-US"/>
           </a:p>
@@ -6863,8 +6863,8 @@
           </a:p>
         </p:txBody>
       </p:sp>
-      <mc:AlternateContent xmlns:mc="http://schemas.openxmlformats.org/markup-compatibility/2006" xmlns:a14="http://schemas.microsoft.com/office/drawing/2010/main">
-        <mc:Choice Requires="a14">
+      <mc:AlternateContent xmlns:mc="http://schemas.openxmlformats.org/markup-compatibility/2006">
+        <mc:Choice xmlns:a14="http://schemas.microsoft.com/office/drawing/2010/main" Requires="a14">
           <p:sp>
             <p:nvSpPr>
               <p:cNvPr id="3" name="Content Placeholder 2">
@@ -6953,7 +6953,7 @@
                 </a:r>
                 <a:r>
                   <a:rPr lang="en-US" dirty="0"/>
-                  <a:t>have and unbounded number of parameters (world’s worst name)</a:t>
+                  <a:t>have an unbounded number of parameters (world’s worst name)</a:t>
                 </a:r>
               </a:p>
               <a:p>
@@ -6985,7 +6985,7 @@
             </p:txBody>
           </p:sp>
         </mc:Choice>
-        <mc:Fallback xmlns="">
+        <mc:Fallback>
           <p:sp>
             <p:nvSpPr>
               <p:cNvPr id="3" name="Content Placeholder 2">

--- a/lectures/nonparametric-models.pptx
+++ b/lectures/nonparametric-models.pptx
@@ -226,7 +226,7 @@
           <a:p>
             <a:fld id="{8A1B613A-EFF1-404F-BEE8-EFAE84A4E5E2}" type="datetimeFigureOut">
               <a:rPr lang="en-US" smtClean="0"/>
-              <a:t>9/18/21</a:t>
+              <a:t>10/14/21</a:t>
             </a:fld>
             <a:endParaRPr lang="en-US"/>
           </a:p>
@@ -391,7 +391,7 @@
           <a:p>
             <a:fld id="{690847EA-AC25-3D4E-89E1-FD3F6A9702B6}" type="datetimeFigureOut">
               <a:rPr lang="en-US" smtClean="0"/>
-              <a:t>9/18/21</a:t>
+              <a:t>10/14/21</a:t>
             </a:fld>
             <a:endParaRPr lang="en-US"/>
           </a:p>
@@ -805,7 +805,7 @@
           <a:p>
             <a:fld id="{BE5295ED-3BAF-1140-8495-3D368771D6B1}" type="datetimeFigureOut">
               <a:rPr lang="en-US" smtClean="0"/>
-              <a:t>9/18/21</a:t>
+              <a:t>10/14/21</a:t>
             </a:fld>
             <a:endParaRPr lang="en-US"/>
           </a:p>
@@ -1003,7 +1003,7 @@
           <a:p>
             <a:fld id="{BE5295ED-3BAF-1140-8495-3D368771D6B1}" type="datetimeFigureOut">
               <a:rPr lang="en-US" smtClean="0"/>
-              <a:t>9/18/21</a:t>
+              <a:t>10/14/21</a:t>
             </a:fld>
             <a:endParaRPr lang="en-US"/>
           </a:p>
@@ -1211,7 +1211,7 @@
           <a:p>
             <a:fld id="{BE5295ED-3BAF-1140-8495-3D368771D6B1}" type="datetimeFigureOut">
               <a:rPr lang="en-US" smtClean="0"/>
-              <a:t>9/18/21</a:t>
+              <a:t>10/14/21</a:t>
             </a:fld>
             <a:endParaRPr lang="en-US"/>
           </a:p>
@@ -1409,7 +1409,7 @@
           <a:p>
             <a:fld id="{BE5295ED-3BAF-1140-8495-3D368771D6B1}" type="datetimeFigureOut">
               <a:rPr lang="en-US" smtClean="0"/>
-              <a:t>9/18/21</a:t>
+              <a:t>10/14/21</a:t>
             </a:fld>
             <a:endParaRPr lang="en-US"/>
           </a:p>
@@ -1684,7 +1684,7 @@
           <a:p>
             <a:fld id="{BE5295ED-3BAF-1140-8495-3D368771D6B1}" type="datetimeFigureOut">
               <a:rPr lang="en-US" smtClean="0"/>
-              <a:t>9/18/21</a:t>
+              <a:t>10/14/21</a:t>
             </a:fld>
             <a:endParaRPr lang="en-US"/>
           </a:p>
@@ -1949,7 +1949,7 @@
           <a:p>
             <a:fld id="{BE5295ED-3BAF-1140-8495-3D368771D6B1}" type="datetimeFigureOut">
               <a:rPr lang="en-US" smtClean="0"/>
-              <a:t>9/18/21</a:t>
+              <a:t>10/14/21</a:t>
             </a:fld>
             <a:endParaRPr lang="en-US"/>
           </a:p>
@@ -2361,7 +2361,7 @@
           <a:p>
             <a:fld id="{BE5295ED-3BAF-1140-8495-3D368771D6B1}" type="datetimeFigureOut">
               <a:rPr lang="en-US" smtClean="0"/>
-              <a:t>9/18/21</a:t>
+              <a:t>10/14/21</a:t>
             </a:fld>
             <a:endParaRPr lang="en-US"/>
           </a:p>
@@ -2502,7 +2502,7 @@
           <a:p>
             <a:fld id="{BE5295ED-3BAF-1140-8495-3D368771D6B1}" type="datetimeFigureOut">
               <a:rPr lang="en-US" smtClean="0"/>
-              <a:t>9/18/21</a:t>
+              <a:t>10/14/21</a:t>
             </a:fld>
             <a:endParaRPr lang="en-US"/>
           </a:p>
@@ -2615,7 +2615,7 @@
           <a:p>
             <a:fld id="{BE5295ED-3BAF-1140-8495-3D368771D6B1}" type="datetimeFigureOut">
               <a:rPr lang="en-US" smtClean="0"/>
-              <a:t>9/18/21</a:t>
+              <a:t>10/14/21</a:t>
             </a:fld>
             <a:endParaRPr lang="en-US"/>
           </a:p>
@@ -2926,7 +2926,7 @@
           <a:p>
             <a:fld id="{BE5295ED-3BAF-1140-8495-3D368771D6B1}" type="datetimeFigureOut">
               <a:rPr lang="en-US" smtClean="0"/>
-              <a:t>9/18/21</a:t>
+              <a:t>10/14/21</a:t>
             </a:fld>
             <a:endParaRPr lang="en-US"/>
           </a:p>
@@ -3217,7 +3217,7 @@
           <a:p>
             <a:fld id="{BE5295ED-3BAF-1140-8495-3D368771D6B1}" type="datetimeFigureOut">
               <a:rPr lang="en-US" smtClean="0"/>
-              <a:t>9/18/21</a:t>
+              <a:t>10/14/21</a:t>
             </a:fld>
             <a:endParaRPr lang="en-US"/>
           </a:p>
@@ -3458,7 +3458,7 @@
           <a:p>
             <a:fld id="{BE5295ED-3BAF-1140-8495-3D368771D6B1}" type="datetimeFigureOut">
               <a:rPr lang="en-US" smtClean="0"/>
-              <a:t>9/18/21</a:t>
+              <a:t>10/14/21</a:t>
             </a:fld>
             <a:endParaRPr lang="en-US"/>
           </a:p>
@@ -6671,10 +6671,15 @@
             <p:ph idx="1"/>
           </p:nvPr>
         </p:nvSpPr>
-        <p:spPr/>
+        <p:spPr>
+          <a:xfrm>
+            <a:off x="838200" y="1825625"/>
+            <a:ext cx="10515600" cy="4511380"/>
+          </a:xfrm>
+        </p:spPr>
         <p:txBody>
           <a:bodyPr>
-            <a:normAutofit fontScale="85000" lnSpcReduction="20000"/>
+            <a:normAutofit fontScale="92500" lnSpcReduction="20000"/>
           </a:bodyPr>
           <a:lstStyle/>
           <a:p>
@@ -6714,7 +6719,7 @@
             </a:r>
             <a:r>
               <a:rPr lang="en-US" dirty="0"/>
-              <a:t> and is</a:t>
+              <a:t> and is an</a:t>
             </a:r>
             <a:br>
               <a:rPr lang="en-US" dirty="0"/>
@@ -6863,8 +6868,8 @@
           </a:p>
         </p:txBody>
       </p:sp>
-      <mc:AlternateContent xmlns:mc="http://schemas.openxmlformats.org/markup-compatibility/2006">
-        <mc:Choice xmlns:a14="http://schemas.microsoft.com/office/drawing/2010/main" Requires="a14">
+      <mc:AlternateContent xmlns:mc="http://schemas.openxmlformats.org/markup-compatibility/2006" xmlns:a14="http://schemas.microsoft.com/office/drawing/2010/main">
+        <mc:Choice Requires="a14">
           <p:sp>
             <p:nvSpPr>
               <p:cNvPr id="3" name="Content Placeholder 2">
@@ -6985,7 +6990,7 @@
             </p:txBody>
           </p:sp>
         </mc:Choice>
-        <mc:Fallback>
+        <mc:Fallback xmlns="">
           <p:sp>
             <p:nvSpPr>
               <p:cNvPr id="3" name="Content Placeholder 2">
@@ -7580,8 +7585,8 @@
           </a:p>
         </p:txBody>
       </p:sp>
-      <mc:AlternateContent xmlns:mc="http://schemas.openxmlformats.org/markup-compatibility/2006" xmlns:a14="http://schemas.microsoft.com/office/drawing/2010/main">
-        <mc:Choice Requires="a14">
+      <mc:AlternateContent xmlns:mc="http://schemas.openxmlformats.org/markup-compatibility/2006">
+        <mc:Choice xmlns:a14="http://schemas.microsoft.com/office/drawing/2010/main" Requires="a14">
           <p:sp>
             <p:nvSpPr>
               <p:cNvPr id="3" name="Content Placeholder 2">
@@ -7647,7 +7652,7 @@
               <a:p>
                 <a:r>
                   <a:rPr lang="en-US" dirty="0"/>
-                  <a:t>For unstructured data such as images or signals, use deep learning neural networks (large number of parameters) </a:t>
+                  <a:t>For unstructured data such as images, text, or signals, use deep learning neural networks (large number of parameters) </a:t>
                 </a:r>
               </a:p>
               <a:p>
@@ -7675,7 +7680,7 @@
             </p:txBody>
           </p:sp>
         </mc:Choice>
-        <mc:Fallback xmlns="">
+        <mc:Fallback>
           <p:sp>
             <p:nvSpPr>
               <p:cNvPr id="3" name="Content Placeholder 2">
@@ -7755,14 +7760,21 @@
             <p:ph type="title"/>
           </p:nvPr>
         </p:nvSpPr>
-        <p:spPr/>
-        <p:txBody>
-          <a:bodyPr/>
+        <p:spPr>
+          <a:xfrm>
+            <a:off x="838200" y="365125"/>
+            <a:ext cx="11353800" cy="1325563"/>
+          </a:xfrm>
+        </p:spPr>
+        <p:txBody>
+          <a:bodyPr>
+            <a:normAutofit/>
+          </a:bodyPr>
           <a:lstStyle/>
           <a:p>
             <a:r>
-              <a:rPr lang="en-US" dirty="0"/>
-              <a:t>Some basic modeling advice</a:t>
+              <a:rPr lang="en-US" sz="4000" dirty="0"/>
+              <a:t>Some basic structured data modeling advice</a:t>
             </a:r>
           </a:p>
         </p:txBody>
@@ -7791,7 +7803,14 @@
           <a:p>
             <a:r>
               <a:rPr lang="en-US" dirty="0"/>
-              <a:t>That “choosing model” advice is solid in practice and reduces the number of models you need to study and understand (ignore SVM, …)</a:t>
+              <a:t>That “choosing model” advice is solid in practice and reduces the number of models you need to study and understand</a:t>
+            </a:r>
+            <a:br>
+              <a:rPr lang="en-US" dirty="0"/>
+            </a:br>
+            <a:r>
+              <a:rPr lang="en-US" dirty="0"/>
+              <a:t>(e.g., you can ignore SVM, …)</a:t>
             </a:r>
           </a:p>
           <a:p>
@@ -7822,7 +7841,7 @@
             <a:pPr lvl="1"/>
             <a:r>
               <a:rPr lang="en-US" dirty="0"/>
-              <a:t>Sometimes a simpler model (e.g., linear model) just as good</a:t>
+              <a:t>Sometimes a simpler model (e.g., linear model) is just as good</a:t>
             </a:r>
           </a:p>
           <a:p>
@@ -7899,8 +7918,8 @@
           </a:p>
         </p:txBody>
       </p:sp>
-      <mc:AlternateContent xmlns:mc="http://schemas.openxmlformats.org/markup-compatibility/2006" xmlns:a14="http://schemas.microsoft.com/office/drawing/2010/main">
-        <mc:Choice Requires="a14">
+      <mc:AlternateContent xmlns:mc="http://schemas.openxmlformats.org/markup-compatibility/2006">
+        <mc:Choice xmlns:a14="http://schemas.microsoft.com/office/drawing/2010/main" Requires="a14">
           <p:sp>
             <p:nvSpPr>
               <p:cNvPr id="3" name="Content Placeholder 2">
@@ -7929,7 +7948,7 @@
               <a:p>
                 <a:r>
                   <a:rPr lang="en-US" dirty="0"/>
-                  <a:t>Let’s imagine creating model to predict SF rent prices</a:t>
+                  <a:t>Let’s imagine creating a model to predict SF rent prices</a:t>
                 </a:r>
               </a:p>
               <a:p>
@@ -8032,7 +8051,7 @@
             </p:txBody>
           </p:sp>
         </mc:Choice>
-        <mc:Fallback xmlns="">
+        <mc:Fallback>
           <p:sp>
             <p:nvSpPr>
               <p:cNvPr id="3" name="Content Placeholder 2">
@@ -9406,8 +9425,8 @@
           </a:p>
         </p:txBody>
       </p:sp>
-      <mc:AlternateContent xmlns:mc="http://schemas.openxmlformats.org/markup-compatibility/2006" xmlns:a14="http://schemas.microsoft.com/office/drawing/2010/main">
-        <mc:Choice Requires="a14">
+      <mc:AlternateContent xmlns:mc="http://schemas.openxmlformats.org/markup-compatibility/2006">
+        <mc:Choice xmlns:a14="http://schemas.microsoft.com/office/drawing/2010/main" Requires="a14">
           <p:sp>
             <p:nvSpPr>
               <p:cNvPr id="3" name="Content Placeholder 2">
@@ -9442,7 +9461,15 @@
                 </a:r>
                 <a:r>
                   <a:rPr lang="en-US" dirty="0"/>
-                  <a:t> is less often used in practice, but it’s part of your education to understand how they work and can still be very effective</a:t>
+                  <a:t> is less often used in practice, but it’s part of your education to understand how they work and </a:t>
+                </a:r>
+                <a:r>
+                  <a:rPr lang="en-US" dirty="0" err="1"/>
+                  <a:t>kNN</a:t>
+                </a:r>
+                <a:r>
+                  <a:rPr lang="en-US" dirty="0"/>
+                  <a:t> can still be very effective</a:t>
                 </a:r>
               </a:p>
               <a:p>
@@ -9538,7 +9565,7 @@
               <a:p>
                 <a:r>
                   <a:rPr lang="en-US" dirty="0"/>
-                  <a:t>Best if we normalize data due to Euclidean distances used</a:t>
+                  <a:t>Best if we normalize data due to use of Euclidean distances</a:t>
                 </a:r>
               </a:p>
               <a:p>
@@ -9555,7 +9582,7 @@
             </p:txBody>
           </p:sp>
         </mc:Choice>
-        <mc:Fallback xmlns="">
+        <mc:Fallback>
           <p:sp>
             <p:nvSpPr>
               <p:cNvPr id="3" name="Content Placeholder 2">

--- a/lectures/nonparametric-models.pptx
+++ b/lectures/nonparametric-models.pptx
@@ -226,7 +226,7 @@
           <a:p>
             <a:fld id="{8A1B613A-EFF1-404F-BEE8-EFAE84A4E5E2}" type="datetimeFigureOut">
               <a:rPr lang="en-US" smtClean="0"/>
-              <a:t>10/14/21</a:t>
+              <a:t>11/1/21</a:t>
             </a:fld>
             <a:endParaRPr lang="en-US"/>
           </a:p>
@@ -391,7 +391,7 @@
           <a:p>
             <a:fld id="{690847EA-AC25-3D4E-89E1-FD3F6A9702B6}" type="datetimeFigureOut">
               <a:rPr lang="en-US" smtClean="0"/>
-              <a:t>10/14/21</a:t>
+              <a:t>11/1/21</a:t>
             </a:fld>
             <a:endParaRPr lang="en-US"/>
           </a:p>
@@ -805,7 +805,7 @@
           <a:p>
             <a:fld id="{BE5295ED-3BAF-1140-8495-3D368771D6B1}" type="datetimeFigureOut">
               <a:rPr lang="en-US" smtClean="0"/>
-              <a:t>10/14/21</a:t>
+              <a:t>11/1/21</a:t>
             </a:fld>
             <a:endParaRPr lang="en-US"/>
           </a:p>
@@ -1003,7 +1003,7 @@
           <a:p>
             <a:fld id="{BE5295ED-3BAF-1140-8495-3D368771D6B1}" type="datetimeFigureOut">
               <a:rPr lang="en-US" smtClean="0"/>
-              <a:t>10/14/21</a:t>
+              <a:t>11/1/21</a:t>
             </a:fld>
             <a:endParaRPr lang="en-US"/>
           </a:p>
@@ -1211,7 +1211,7 @@
           <a:p>
             <a:fld id="{BE5295ED-3BAF-1140-8495-3D368771D6B1}" type="datetimeFigureOut">
               <a:rPr lang="en-US" smtClean="0"/>
-              <a:t>10/14/21</a:t>
+              <a:t>11/1/21</a:t>
             </a:fld>
             <a:endParaRPr lang="en-US"/>
           </a:p>
@@ -1409,7 +1409,7 @@
           <a:p>
             <a:fld id="{BE5295ED-3BAF-1140-8495-3D368771D6B1}" type="datetimeFigureOut">
               <a:rPr lang="en-US" smtClean="0"/>
-              <a:t>10/14/21</a:t>
+              <a:t>11/1/21</a:t>
             </a:fld>
             <a:endParaRPr lang="en-US"/>
           </a:p>
@@ -1684,7 +1684,7 @@
           <a:p>
             <a:fld id="{BE5295ED-3BAF-1140-8495-3D368771D6B1}" type="datetimeFigureOut">
               <a:rPr lang="en-US" smtClean="0"/>
-              <a:t>10/14/21</a:t>
+              <a:t>11/1/21</a:t>
             </a:fld>
             <a:endParaRPr lang="en-US"/>
           </a:p>
@@ -1949,7 +1949,7 @@
           <a:p>
             <a:fld id="{BE5295ED-3BAF-1140-8495-3D368771D6B1}" type="datetimeFigureOut">
               <a:rPr lang="en-US" smtClean="0"/>
-              <a:t>10/14/21</a:t>
+              <a:t>11/1/21</a:t>
             </a:fld>
             <a:endParaRPr lang="en-US"/>
           </a:p>
@@ -2361,7 +2361,7 @@
           <a:p>
             <a:fld id="{BE5295ED-3BAF-1140-8495-3D368771D6B1}" type="datetimeFigureOut">
               <a:rPr lang="en-US" smtClean="0"/>
-              <a:t>10/14/21</a:t>
+              <a:t>11/1/21</a:t>
             </a:fld>
             <a:endParaRPr lang="en-US"/>
           </a:p>
@@ -2502,7 +2502,7 @@
           <a:p>
             <a:fld id="{BE5295ED-3BAF-1140-8495-3D368771D6B1}" type="datetimeFigureOut">
               <a:rPr lang="en-US" smtClean="0"/>
-              <a:t>10/14/21</a:t>
+              <a:t>11/1/21</a:t>
             </a:fld>
             <a:endParaRPr lang="en-US"/>
           </a:p>
@@ -2615,7 +2615,7 @@
           <a:p>
             <a:fld id="{BE5295ED-3BAF-1140-8495-3D368771D6B1}" type="datetimeFigureOut">
               <a:rPr lang="en-US" smtClean="0"/>
-              <a:t>10/14/21</a:t>
+              <a:t>11/1/21</a:t>
             </a:fld>
             <a:endParaRPr lang="en-US"/>
           </a:p>
@@ -2926,7 +2926,7 @@
           <a:p>
             <a:fld id="{BE5295ED-3BAF-1140-8495-3D368771D6B1}" type="datetimeFigureOut">
               <a:rPr lang="en-US" smtClean="0"/>
-              <a:t>10/14/21</a:t>
+              <a:t>11/1/21</a:t>
             </a:fld>
             <a:endParaRPr lang="en-US"/>
           </a:p>
@@ -3217,7 +3217,7 @@
           <a:p>
             <a:fld id="{BE5295ED-3BAF-1140-8495-3D368771D6B1}" type="datetimeFigureOut">
               <a:rPr lang="en-US" smtClean="0"/>
-              <a:t>10/14/21</a:t>
+              <a:t>11/1/21</a:t>
             </a:fld>
             <a:endParaRPr lang="en-US"/>
           </a:p>
@@ -3458,7 +3458,7 @@
           <a:p>
             <a:fld id="{BE5295ED-3BAF-1140-8495-3D368771D6B1}" type="datetimeFigureOut">
               <a:rPr lang="en-US" smtClean="0"/>
-              <a:t>10/14/21</a:t>
+              <a:t>11/1/21</a:t>
             </a:fld>
             <a:endParaRPr lang="en-US"/>
           </a:p>
@@ -4534,8 +4534,8 @@
           </a:p>
         </p:txBody>
       </p:sp>
-      <mc:AlternateContent xmlns:mc="http://schemas.openxmlformats.org/markup-compatibility/2006" xmlns:a14="http://schemas.microsoft.com/office/drawing/2010/main">
-        <mc:Choice Requires="a14">
+      <mc:AlternateContent xmlns:mc="http://schemas.openxmlformats.org/markup-compatibility/2006">
+        <mc:Choice xmlns:a14="http://schemas.microsoft.com/office/drawing/2010/main" Requires="a14">
           <p:sp>
             <p:nvSpPr>
               <p:cNvPr id="3" name="Content Placeholder 2">
@@ -4561,7 +4561,7 @@
               <a:p>
                 <a:r>
                   <a:rPr lang="en-US" dirty="0"/>
-                  <a:t>To avoid inefficiency and distance metric requirement of </a:t>
+                  <a:t>To avoid inefficiency and the distance metric requirement of </a:t>
                 </a:r>
                 <a:r>
                   <a:rPr lang="en-US" dirty="0" err="1"/>
@@ -4638,7 +4638,7 @@
             </p:txBody>
           </p:sp>
         </mc:Choice>
-        <mc:Fallback xmlns="">
+        <mc:Fallback>
           <p:sp>
             <p:nvSpPr>
               <p:cNvPr id="3" name="Content Placeholder 2">
@@ -4659,7 +4659,7 @@
               <a:blipFill>
                 <a:blip r:embed="rId2"/>
                 <a:stretch>
-                  <a:fillRect l="-965" t="-2907" r="-1809"/>
+                  <a:fillRect l="-965" t="-2907" r="-1086"/>
                 </a:stretch>
               </a:blipFill>
             </p:spPr>
@@ -5408,7 +5408,7 @@
           <a:p>
             <a:r>
               <a:rPr lang="en-US" dirty="0"/>
-              <a:t>Partitioning rules prediction efficiency</a:t>
+              <a:t>Partitioning rules--prediction efficiency</a:t>
             </a:r>
           </a:p>
         </p:txBody>
@@ -5469,7 +5469,7 @@
           <a:p>
             <a:r>
               <a:rPr lang="en-US" sz="2400" dirty="0"/>
-              <a:t>Potentially very slow walking through a large number of partitioning rules so factor / nest the IF-rules to avoid redundant tests</a:t>
+              <a:t>Potentially it’s very slow walking through many partitioning rules, so factor / nest the IF-rules to avoid redundant tests</a:t>
             </a:r>
           </a:p>
         </p:txBody>
@@ -7585,8 +7585,8 @@
           </a:p>
         </p:txBody>
       </p:sp>
-      <mc:AlternateContent xmlns:mc="http://schemas.openxmlformats.org/markup-compatibility/2006">
-        <mc:Choice xmlns:a14="http://schemas.microsoft.com/office/drawing/2010/main" Requires="a14">
+      <mc:AlternateContent xmlns:mc="http://schemas.openxmlformats.org/markup-compatibility/2006" xmlns:a14="http://schemas.microsoft.com/office/drawing/2010/main">
+        <mc:Choice Requires="a14">
           <p:sp>
             <p:nvSpPr>
               <p:cNvPr id="3" name="Content Placeholder 2">
@@ -7680,7 +7680,7 @@
             </p:txBody>
           </p:sp>
         </mc:Choice>
-        <mc:Fallback>
+        <mc:Fallback xmlns="">
           <p:sp>
             <p:nvSpPr>
               <p:cNvPr id="3" name="Content Placeholder 2">
@@ -7918,8 +7918,8 @@
           </a:p>
         </p:txBody>
       </p:sp>
-      <mc:AlternateContent xmlns:mc="http://schemas.openxmlformats.org/markup-compatibility/2006">
-        <mc:Choice xmlns:a14="http://schemas.microsoft.com/office/drawing/2010/main" Requires="a14">
+      <mc:AlternateContent xmlns:mc="http://schemas.openxmlformats.org/markup-compatibility/2006" xmlns:a14="http://schemas.microsoft.com/office/drawing/2010/main">
+        <mc:Choice Requires="a14">
           <p:sp>
             <p:nvSpPr>
               <p:cNvPr id="3" name="Content Placeholder 2">
@@ -8051,7 +8051,7 @@
             </p:txBody>
           </p:sp>
         </mc:Choice>
-        <mc:Fallback>
+        <mc:Fallback xmlns="">
           <p:sp>
             <p:nvSpPr>
               <p:cNvPr id="3" name="Content Placeholder 2">
@@ -8362,7 +8362,7 @@
             <a:pPr lvl="1"/>
             <a:r>
               <a:rPr lang="en-US" dirty="0"/>
-              <a:t>Average has big bias but is very general (applies to any apartment)</a:t>
+              <a:t>Average is inaccurate (biased) but is very general (applies to any apartment)</a:t>
             </a:r>
           </a:p>
           <a:p>
@@ -9425,8 +9425,8 @@
           </a:p>
         </p:txBody>
       </p:sp>
-      <mc:AlternateContent xmlns:mc="http://schemas.openxmlformats.org/markup-compatibility/2006">
-        <mc:Choice xmlns:a14="http://schemas.microsoft.com/office/drawing/2010/main" Requires="a14">
+      <mc:AlternateContent xmlns:mc="http://schemas.openxmlformats.org/markup-compatibility/2006" xmlns:a14="http://schemas.microsoft.com/office/drawing/2010/main">
+        <mc:Choice Requires="a14">
           <p:sp>
             <p:nvSpPr>
               <p:cNvPr id="3" name="Content Placeholder 2">
@@ -9582,7 +9582,7 @@
             </p:txBody>
           </p:sp>
         </mc:Choice>
-        <mc:Fallback>
+        <mc:Fallback xmlns="">
           <p:sp>
             <p:nvSpPr>
               <p:cNvPr id="3" name="Content Placeholder 2">
